--- a/PresentatieKevin.pptx
+++ b/PresentatieKevin.pptx
@@ -246,7 +246,7 @@
                 <a:cs typeface="Arial" pitchFamily="34" charset="0"/>
               </a:rPr>
               <a:pPr/>
-              <a:t>11/05/2015</a:t>
+              <a:t>13/05/2015</a:t>
             </a:fld>
             <a:endParaRPr lang="nl-BE" sz="1000">
               <a:latin typeface="Arial" pitchFamily="34" charset="0"/>
@@ -425,7 +425,7 @@
             <a:fld id="{7AF0A2F9-EF49-41B3-9E69-7CDBDC14786A}" type="datetimeFigureOut">
               <a:rPr lang="nl-BE" smtClean="0"/>
               <a:pPr/>
-              <a:t>11/05/2015</a:t>
+              <a:t>13/05/2015</a:t>
             </a:fld>
             <a:endParaRPr lang="nl-BE"/>
           </a:p>
@@ -4082,82 +4082,30 @@
           </a:p>
         </p:txBody>
       </p:sp>
-      <p:graphicFrame>
-        <p:nvGraphicFramePr>
-          <p:cNvPr id="6" name="Object 5"/>
-          <p:cNvGraphicFramePr>
-            <a:graphicFrameLocks noChangeAspect="1"/>
-          </p:cNvGraphicFramePr>
-          <p:nvPr>
-            <p:extLst>
-              <p:ext uri="{D42A27DB-BD31-4B8C-83A1-F6EECF244321}">
-                <p14:modId xmlns:p14="http://schemas.microsoft.com/office/powerpoint/2010/main" val="1415141026"/>
-              </p:ext>
-            </p:extLst>
-          </p:nvPr>
-        </p:nvGraphicFramePr>
-        <p:xfrm>
-          <a:off x="1979712" y="1193425"/>
-          <a:ext cx="4953000" cy="4854575"/>
-        </p:xfrm>
-        <a:graphic>
-          <a:graphicData uri="http://schemas.openxmlformats.org/presentationml/2006/ole">
-            <mc:AlternateContent xmlns:mc="http://schemas.openxmlformats.org/markup-compatibility/2006">
-              <mc:Choice xmlns:v="urn:schemas-microsoft-com:vml" Requires="v">
-                <p:oleObj spid="_x0000_s1028" name="Visio" r:id="rId3" imgW="6240900" imgH="6118995" progId="Visio.Drawing.15">
-                  <p:embed/>
-                </p:oleObj>
-              </mc:Choice>
-              <mc:Fallback>
-                <p:oleObj name="Visio" r:id="rId3" imgW="6240900" imgH="6118995" progId="Visio.Drawing.15">
-                  <p:embed/>
-                  <p:pic>
-                    <p:nvPicPr>
-                      <p:cNvPr id="0" name="Object 1"/>
-                      <p:cNvPicPr>
-                        <a:picLocks noChangeAspect="1" noChangeArrowheads="1"/>
-                      </p:cNvPicPr>
-                      <p:nvPr/>
-                    </p:nvPicPr>
-                    <p:blipFill>
-                      <a:blip r:embed="rId4">
-                        <a:extLst>
-                          <a:ext uri="{28A0092B-C50C-407E-A947-70E740481C1C}">
-                            <a14:useLocalDpi xmlns:a14="http://schemas.microsoft.com/office/drawing/2010/main" val="0"/>
-                          </a:ext>
-                        </a:extLst>
-                      </a:blip>
-                      <a:srcRect/>
-                      <a:stretch>
-                        <a:fillRect/>
-                      </a:stretch>
-                    </p:blipFill>
-                    <p:spPr bwMode="auto">
-                      <a:xfrm>
-                        <a:off x="1979712" y="1193425"/>
-                        <a:ext cx="4953000" cy="4854575"/>
-                      </a:xfrm>
-                      <a:prstGeom prst="rect">
-                        <a:avLst/>
-                      </a:prstGeom>
-                      <a:noFill/>
-                      <a:extLst>
-                        <a:ext uri="{909E8E84-426E-40DD-AFC4-6F175D3DCCD1}">
-                          <a14:hiddenFill xmlns:a14="http://schemas.microsoft.com/office/drawing/2010/main">
-                            <a:solidFill>
-                              <a:srgbClr val="FFFFFF"/>
-                            </a:solidFill>
-                          </a14:hiddenFill>
-                        </a:ext>
-                      </a:extLst>
-                    </p:spPr>
-                  </p:pic>
-                </p:oleObj>
-              </mc:Fallback>
-            </mc:AlternateContent>
-          </a:graphicData>
-        </a:graphic>
-      </p:graphicFrame>
+      <p:pic>
+        <p:nvPicPr>
+          <p:cNvPr id="7" name="Afbeelding 6"/>
+          <p:cNvPicPr>
+            <a:picLocks noChangeAspect="1"/>
+          </p:cNvPicPr>
+          <p:nvPr/>
+        </p:nvPicPr>
+        <p:blipFill>
+          <a:blip r:embed="rId2"/>
+          <a:stretch>
+            <a:fillRect/>
+          </a:stretch>
+        </p:blipFill>
+        <p:spPr>
+          <a:xfrm>
+            <a:off x="2699792" y="1089843"/>
+            <a:ext cx="4198906" cy="5246157"/>
+          </a:xfrm>
+          <a:prstGeom prst="rect">
+            <a:avLst/>
+          </a:prstGeom>
+        </p:spPr>
+      </p:pic>
     </p:spTree>
     <p:extLst>
       <p:ext uri="{BB962C8B-B14F-4D97-AF65-F5344CB8AC3E}">
